--- a/다이어그램.pptx
+++ b/다이어그램.pptx
@@ -8,6 +8,7 @@
     <p:sldId id="259" r:id="rId2"/>
     <p:sldId id="257" r:id="rId3"/>
     <p:sldId id="256" r:id="rId4"/>
+    <p:sldId id="260" r:id="rId5"/>
   </p:sldIdLst>
   <p:sldSz cx="12192000" cy="6858000"/>
   <p:notesSz cx="6858000" cy="9144000"/>
@@ -106,6 +107,11 @@
       </a:defRPr>
     </a:lvl9pPr>
   </p:defaultTextStyle>
+  <p:extLst>
+    <p:ext uri="{EFAFB233-063F-42B5-8137-9DF3F51BA10A}">
+      <p15:sldGuideLst xmlns:p15="http://schemas.microsoft.com/office/powerpoint/2012/main"/>
+    </p:ext>
+  </p:extLst>
 </p:presentation>
 </file>
 
@@ -256,7 +262,7 @@
           <a:p>
             <a:fld id="{78302997-CABA-4F98-8C7F-51120D801357}" type="datetimeFigureOut">
               <a:rPr lang="ko-KR" altLang="en-US" smtClean="0"/>
-              <a:t>2022-03-28</a:t>
+              <a:t>2022-03-29</a:t>
             </a:fld>
             <a:endParaRPr lang="ko-KR" altLang="en-US"/>
           </a:p>
@@ -454,7 +460,7 @@
           <a:p>
             <a:fld id="{78302997-CABA-4F98-8C7F-51120D801357}" type="datetimeFigureOut">
               <a:rPr lang="ko-KR" altLang="en-US" smtClean="0"/>
-              <a:t>2022-03-28</a:t>
+              <a:t>2022-03-29</a:t>
             </a:fld>
             <a:endParaRPr lang="ko-KR" altLang="en-US"/>
           </a:p>
@@ -662,7 +668,7 @@
           <a:p>
             <a:fld id="{78302997-CABA-4F98-8C7F-51120D801357}" type="datetimeFigureOut">
               <a:rPr lang="ko-KR" altLang="en-US" smtClean="0"/>
-              <a:t>2022-03-28</a:t>
+              <a:t>2022-03-29</a:t>
             </a:fld>
             <a:endParaRPr lang="ko-KR" altLang="en-US"/>
           </a:p>
@@ -860,7 +866,7 @@
           <a:p>
             <a:fld id="{78302997-CABA-4F98-8C7F-51120D801357}" type="datetimeFigureOut">
               <a:rPr lang="ko-KR" altLang="en-US" smtClean="0"/>
-              <a:t>2022-03-28</a:t>
+              <a:t>2022-03-29</a:t>
             </a:fld>
             <a:endParaRPr lang="ko-KR" altLang="en-US"/>
           </a:p>
@@ -1135,7 +1141,7 @@
           <a:p>
             <a:fld id="{78302997-CABA-4F98-8C7F-51120D801357}" type="datetimeFigureOut">
               <a:rPr lang="ko-KR" altLang="en-US" smtClean="0"/>
-              <a:t>2022-03-28</a:t>
+              <a:t>2022-03-29</a:t>
             </a:fld>
             <a:endParaRPr lang="ko-KR" altLang="en-US"/>
           </a:p>
@@ -1400,7 +1406,7 @@
           <a:p>
             <a:fld id="{78302997-CABA-4F98-8C7F-51120D801357}" type="datetimeFigureOut">
               <a:rPr lang="ko-KR" altLang="en-US" smtClean="0"/>
-              <a:t>2022-03-28</a:t>
+              <a:t>2022-03-29</a:t>
             </a:fld>
             <a:endParaRPr lang="ko-KR" altLang="en-US"/>
           </a:p>
@@ -1812,7 +1818,7 @@
           <a:p>
             <a:fld id="{78302997-CABA-4F98-8C7F-51120D801357}" type="datetimeFigureOut">
               <a:rPr lang="ko-KR" altLang="en-US" smtClean="0"/>
-              <a:t>2022-03-28</a:t>
+              <a:t>2022-03-29</a:t>
             </a:fld>
             <a:endParaRPr lang="ko-KR" altLang="en-US"/>
           </a:p>
@@ -1953,7 +1959,7 @@
           <a:p>
             <a:fld id="{78302997-CABA-4F98-8C7F-51120D801357}" type="datetimeFigureOut">
               <a:rPr lang="ko-KR" altLang="en-US" smtClean="0"/>
-              <a:t>2022-03-28</a:t>
+              <a:t>2022-03-29</a:t>
             </a:fld>
             <a:endParaRPr lang="ko-KR" altLang="en-US"/>
           </a:p>
@@ -2066,7 +2072,7 @@
           <a:p>
             <a:fld id="{78302997-CABA-4F98-8C7F-51120D801357}" type="datetimeFigureOut">
               <a:rPr lang="ko-KR" altLang="en-US" smtClean="0"/>
-              <a:t>2022-03-28</a:t>
+              <a:t>2022-03-29</a:t>
             </a:fld>
             <a:endParaRPr lang="ko-KR" altLang="en-US"/>
           </a:p>
@@ -2377,7 +2383,7 @@
           <a:p>
             <a:fld id="{78302997-CABA-4F98-8C7F-51120D801357}" type="datetimeFigureOut">
               <a:rPr lang="ko-KR" altLang="en-US" smtClean="0"/>
-              <a:t>2022-03-28</a:t>
+              <a:t>2022-03-29</a:t>
             </a:fld>
             <a:endParaRPr lang="ko-KR" altLang="en-US"/>
           </a:p>
@@ -2665,7 +2671,7 @@
           <a:p>
             <a:fld id="{78302997-CABA-4F98-8C7F-51120D801357}" type="datetimeFigureOut">
               <a:rPr lang="ko-KR" altLang="en-US" smtClean="0"/>
-              <a:t>2022-03-28</a:t>
+              <a:t>2022-03-29</a:t>
             </a:fld>
             <a:endParaRPr lang="ko-KR" altLang="en-US"/>
           </a:p>
@@ -2906,7 +2912,7 @@
           <a:p>
             <a:fld id="{78302997-CABA-4F98-8C7F-51120D801357}" type="datetimeFigureOut">
               <a:rPr lang="ko-KR" altLang="en-US" smtClean="0"/>
-              <a:t>2022-03-28</a:t>
+              <a:t>2022-03-29</a:t>
             </a:fld>
             <a:endParaRPr lang="ko-KR" altLang="en-US"/>
           </a:p>
@@ -3325,10 +3331,10 @@
       </p:grpSpPr>
       <p:pic>
         <p:nvPicPr>
-          <p:cNvPr id="12" name="그림 11">
-            <a:extLst>
-              <a:ext uri="{FF2B5EF4-FFF2-40B4-BE49-F238E27FC236}">
-                <a16:creationId xmlns:a16="http://schemas.microsoft.com/office/drawing/2014/main" id="{EAD2F1C4-4C48-4281-85D0-E2F1D0FF9F20}"/>
+          <p:cNvPr id="8" name="그림 7">
+            <a:extLst>
+              <a:ext uri="{FF2B5EF4-FFF2-40B4-BE49-F238E27FC236}">
+                <a16:creationId xmlns:a16="http://schemas.microsoft.com/office/drawing/2014/main" id="{BBCDB4E6-42DE-4113-AB94-9A7911331711}"/>
               </a:ext>
             </a:extLst>
           </p:cNvPr>
@@ -3339,86 +3345,6 @@
         </p:nvPicPr>
         <p:blipFill>
           <a:blip r:embed="rId2">
-            <a:extLst>
-              <a:ext uri="{28A0092B-C50C-407E-A947-70E740481C1C}">
-                <a14:useLocalDpi xmlns:a14="http://schemas.microsoft.com/office/drawing/2010/main" val="0"/>
-              </a:ext>
-            </a:extLst>
-          </a:blip>
-          <a:srcRect b="48847"/>
-          <a:stretch>
-            <a:fillRect/>
-          </a:stretch>
-        </p:blipFill>
-        <p:spPr>
-          <a:xfrm>
-            <a:off x="511548" y="2459442"/>
-            <a:ext cx="4974336" cy="3508051"/>
-          </a:xfrm>
-          <a:custGeom>
-            <a:avLst/>
-            <a:gdLst>
-              <a:gd name="connsiteX0" fmla="*/ 0 w 4974336"/>
-              <a:gd name="connsiteY0" fmla="*/ 0 h 3508051"/>
-              <a:gd name="connsiteX1" fmla="*/ 4974336 w 4974336"/>
-              <a:gd name="connsiteY1" fmla="*/ 0 h 3508051"/>
-              <a:gd name="connsiteX2" fmla="*/ 4974336 w 4974336"/>
-              <a:gd name="connsiteY2" fmla="*/ 3508051 h 3508051"/>
-              <a:gd name="connsiteX3" fmla="*/ 0 w 4974336"/>
-              <a:gd name="connsiteY3" fmla="*/ 3508051 h 3508051"/>
-            </a:gdLst>
-            <a:ahLst/>
-            <a:cxnLst>
-              <a:cxn ang="0">
-                <a:pos x="connsiteX0" y="connsiteY0"/>
-              </a:cxn>
-              <a:cxn ang="0">
-                <a:pos x="connsiteX1" y="connsiteY1"/>
-              </a:cxn>
-              <a:cxn ang="0">
-                <a:pos x="connsiteX2" y="connsiteY2"/>
-              </a:cxn>
-              <a:cxn ang="0">
-                <a:pos x="connsiteX3" y="connsiteY3"/>
-              </a:cxn>
-            </a:cxnLst>
-            <a:rect l="l" t="t" r="r" b="b"/>
-            <a:pathLst>
-              <a:path w="4974336" h="3508051">
-                <a:moveTo>
-                  <a:pt x="0" y="0"/>
-                </a:moveTo>
-                <a:lnTo>
-                  <a:pt x="4974336" y="0"/>
-                </a:lnTo>
-                <a:lnTo>
-                  <a:pt x="4974336" y="3508051"/>
-                </a:lnTo>
-                <a:lnTo>
-                  <a:pt x="0" y="3508051"/>
-                </a:lnTo>
-                <a:close/>
-              </a:path>
-            </a:pathLst>
-          </a:custGeom>
-        </p:spPr>
-      </p:pic>
-      <p:pic>
-        <p:nvPicPr>
-          <p:cNvPr id="8" name="그림 7">
-            <a:extLst>
-              <a:ext uri="{FF2B5EF4-FFF2-40B4-BE49-F238E27FC236}">
-                <a16:creationId xmlns:a16="http://schemas.microsoft.com/office/drawing/2014/main" id="{BBCDB4E6-42DE-4113-AB94-9A7911331711}"/>
-              </a:ext>
-            </a:extLst>
-          </p:cNvPr>
-          <p:cNvPicPr>
-            <a:picLocks noChangeAspect="1"/>
-          </p:cNvPicPr>
-          <p:nvPr/>
-        </p:nvPicPr>
-        <p:blipFill>
-          <a:blip r:embed="rId3">
             <a:extLst>
               <a:ext uri="{28A0092B-C50C-407E-A947-70E740481C1C}">
                 <a14:useLocalDpi xmlns:a14="http://schemas.microsoft.com/office/drawing/2010/main" val="0"/>
@@ -3441,10 +3367,10 @@
       </p:pic>
       <p:pic>
         <p:nvPicPr>
-          <p:cNvPr id="9" name="그림 8" descr="텍스트이(가) 표시된 사진&#10;&#10;자동 생성된 설명">
-            <a:extLst>
-              <a:ext uri="{FF2B5EF4-FFF2-40B4-BE49-F238E27FC236}">
-                <a16:creationId xmlns:a16="http://schemas.microsoft.com/office/drawing/2014/main" id="{02C5B2C2-47CC-40DA-AD7B-5C8EDC8AEDF3}"/>
+          <p:cNvPr id="13" name="그림 12" descr="텍스트이(가) 표시된 사진&#10;&#10;자동 생성된 설명">
+            <a:extLst>
+              <a:ext uri="{FF2B5EF4-FFF2-40B4-BE49-F238E27FC236}">
+                <a16:creationId xmlns:a16="http://schemas.microsoft.com/office/drawing/2014/main" id="{52765840-3E14-4C9A-BBD2-3D872D3886B7}"/>
               </a:ext>
             </a:extLst>
           </p:cNvPr>
@@ -3454,7 +3380,7 @@
           <p:nvPr/>
         </p:nvPicPr>
         <p:blipFill>
-          <a:blip r:embed="rId4">
+          <a:blip r:embed="rId3">
             <a:extLst>
               <a:ext uri="{28A0092B-C50C-407E-A947-70E740481C1C}">
                 <a14:useLocalDpi xmlns:a14="http://schemas.microsoft.com/office/drawing/2010/main" val="0"/>
@@ -3467,8 +3393,8 @@
         </p:blipFill>
         <p:spPr>
           <a:xfrm>
-            <a:off x="6979486" y="4257962"/>
-            <a:ext cx="4887289" cy="1766380"/>
+            <a:off x="467104" y="2499860"/>
+            <a:ext cx="5696745" cy="3705742"/>
           </a:xfrm>
           <a:prstGeom prst="rect">
             <a:avLst/>
@@ -3477,10 +3403,10 @@
       </p:pic>
       <p:pic>
         <p:nvPicPr>
-          <p:cNvPr id="14" name="그림 13">
-            <a:extLst>
-              <a:ext uri="{FF2B5EF4-FFF2-40B4-BE49-F238E27FC236}">
-                <a16:creationId xmlns:a16="http://schemas.microsoft.com/office/drawing/2014/main" id="{F499A817-C7D7-4486-A65D-CACE7177BF69}"/>
+          <p:cNvPr id="16" name="그림 15">
+            <a:extLst>
+              <a:ext uri="{FF2B5EF4-FFF2-40B4-BE49-F238E27FC236}">
+                <a16:creationId xmlns:a16="http://schemas.microsoft.com/office/drawing/2014/main" id="{2D006759-5BF9-49BB-8747-6C5473E9AECA}"/>
               </a:ext>
             </a:extLst>
           </p:cNvPr>
@@ -3490,69 +3416,61 @@
           <p:nvPr/>
         </p:nvPicPr>
         <p:blipFill>
-          <a:blip r:embed="rId2">
+          <a:blip r:embed="rId4">
             <a:extLst>
               <a:ext uri="{28A0092B-C50C-407E-A947-70E740481C1C}">
                 <a14:useLocalDpi xmlns:a14="http://schemas.microsoft.com/office/drawing/2010/main" val="0"/>
               </a:ext>
             </a:extLst>
           </a:blip>
-          <a:srcRect t="51629"/>
           <a:stretch>
             <a:fillRect/>
           </a:stretch>
         </p:blipFill>
         <p:spPr>
           <a:xfrm>
-            <a:off x="6951778" y="896176"/>
-            <a:ext cx="4974336" cy="3317292"/>
+            <a:off x="6210316" y="1014464"/>
+            <a:ext cx="5715798" cy="3429479"/>
           </a:xfrm>
-          <a:custGeom>
+          <a:prstGeom prst="rect">
             <a:avLst/>
-            <a:gdLst>
-              <a:gd name="connsiteX0" fmla="*/ 0 w 4974336"/>
-              <a:gd name="connsiteY0" fmla="*/ 0 h 3317292"/>
-              <a:gd name="connsiteX1" fmla="*/ 4974336 w 4974336"/>
-              <a:gd name="connsiteY1" fmla="*/ 0 h 3317292"/>
-              <a:gd name="connsiteX2" fmla="*/ 4974336 w 4974336"/>
-              <a:gd name="connsiteY2" fmla="*/ 3317292 h 3317292"/>
-              <a:gd name="connsiteX3" fmla="*/ 0 w 4974336"/>
-              <a:gd name="connsiteY3" fmla="*/ 3317292 h 3317292"/>
-            </a:gdLst>
-            <a:ahLst/>
-            <a:cxnLst>
-              <a:cxn ang="0">
-                <a:pos x="connsiteX0" y="connsiteY0"/>
-              </a:cxn>
-              <a:cxn ang="0">
-                <a:pos x="connsiteX1" y="connsiteY1"/>
-              </a:cxn>
-              <a:cxn ang="0">
-                <a:pos x="connsiteX2" y="connsiteY2"/>
-              </a:cxn>
-              <a:cxn ang="0">
-                <a:pos x="connsiteX3" y="connsiteY3"/>
-              </a:cxn>
-            </a:cxnLst>
-            <a:rect l="l" t="t" r="r" b="b"/>
-            <a:pathLst>
-              <a:path w="4974336" h="3317292">
-                <a:moveTo>
-                  <a:pt x="0" y="0"/>
-                </a:moveTo>
-                <a:lnTo>
-                  <a:pt x="4974336" y="0"/>
-                </a:lnTo>
-                <a:lnTo>
-                  <a:pt x="4974336" y="3317292"/>
-                </a:lnTo>
-                <a:lnTo>
-                  <a:pt x="0" y="3317292"/>
-                </a:lnTo>
-                <a:close/>
-              </a:path>
-            </a:pathLst>
-          </a:custGeom>
+          </a:prstGeom>
+        </p:spPr>
+      </p:pic>
+      <p:pic>
+        <p:nvPicPr>
+          <p:cNvPr id="20" name="그림 19" descr="텍스트이(가) 표시된 사진&#10;&#10;자동 생성된 설명">
+            <a:extLst>
+              <a:ext uri="{FF2B5EF4-FFF2-40B4-BE49-F238E27FC236}">
+                <a16:creationId xmlns:a16="http://schemas.microsoft.com/office/drawing/2014/main" id="{D87416E1-C7AE-46AF-BEC8-835059F2B429}"/>
+              </a:ext>
+            </a:extLst>
+          </p:cNvPr>
+          <p:cNvPicPr>
+            <a:picLocks noChangeAspect="1"/>
+          </p:cNvPicPr>
+          <p:nvPr/>
+        </p:nvPicPr>
+        <p:blipFill>
+          <a:blip r:embed="rId5">
+            <a:extLst>
+              <a:ext uri="{28A0092B-C50C-407E-A947-70E740481C1C}">
+                <a14:useLocalDpi xmlns:a14="http://schemas.microsoft.com/office/drawing/2010/main" val="0"/>
+              </a:ext>
+            </a:extLst>
+          </a:blip>
+          <a:stretch>
+            <a:fillRect/>
+          </a:stretch>
+        </p:blipFill>
+        <p:spPr>
+          <a:xfrm>
+            <a:off x="6219843" y="4443943"/>
+            <a:ext cx="5706271" cy="2010056"/>
+          </a:xfrm>
+          <a:prstGeom prst="rect">
+            <a:avLst/>
+          </a:prstGeom>
         </p:spPr>
       </p:pic>
     </p:spTree>
@@ -3763,6 +3681,89 @@
     <p:extLst>
       <p:ext uri="{BB962C8B-B14F-4D97-AF65-F5344CB8AC3E}">
         <p14:creationId xmlns:p14="http://schemas.microsoft.com/office/powerpoint/2010/main" val="1886469563"/>
+      </p:ext>
+    </p:extLst>
+  </p:cSld>
+  <p:clrMapOvr>
+    <a:masterClrMapping/>
+  </p:clrMapOvr>
+</p:sld>
+</file>
+
+<file path=ppt/slides/slide4.xml><?xml version="1.0" encoding="utf-8"?>
+<p:sld xmlns:a="http://schemas.openxmlformats.org/drawingml/2006/main" xmlns:r="http://schemas.openxmlformats.org/officeDocument/2006/relationships" xmlns:p="http://schemas.openxmlformats.org/presentationml/2006/main">
+  <p:cSld>
+    <p:spTree>
+      <p:nvGrpSpPr>
+        <p:cNvPr id="1" name=""/>
+        <p:cNvGrpSpPr/>
+        <p:nvPr/>
+      </p:nvGrpSpPr>
+      <p:grpSpPr>
+        <a:xfrm>
+          <a:off x="0" y="0"/>
+          <a:ext cx="0" cy="0"/>
+          <a:chOff x="0" y="0"/>
+          <a:chExt cx="0" cy="0"/>
+        </a:xfrm>
+      </p:grpSpPr>
+      <p:sp>
+        <p:nvSpPr>
+          <p:cNvPr id="7" name="TextBox 6">
+            <a:extLst>
+              <a:ext uri="{FF2B5EF4-FFF2-40B4-BE49-F238E27FC236}">
+                <a16:creationId xmlns:a16="http://schemas.microsoft.com/office/drawing/2014/main" id="{53B25CC4-B36D-415B-9806-736883C29349}"/>
+              </a:ext>
+            </a:extLst>
+          </p:cNvPr>
+          <p:cNvSpPr txBox="1"/>
+          <p:nvPr/>
+        </p:nvSpPr>
+        <p:spPr>
+          <a:xfrm>
+            <a:off x="3048000" y="1169152"/>
+            <a:ext cx="6096000" cy="3970318"/>
+          </a:xfrm>
+          <a:prstGeom prst="rect">
+            <a:avLst/>
+          </a:prstGeom>
+          <a:noFill/>
+        </p:spPr>
+        <p:txBody>
+          <a:bodyPr wrap="square">
+            <a:spAutoFit/>
+          </a:bodyPr>
+          <a:lstStyle/>
+          <a:p>
+            <a:r>
+              <a:rPr lang="ko-KR" altLang="en-US"/>
+              <a:t>유스케이스 다이어그램 부분유스케이스 - 아두이노는 액터로 뽑지 않냐?시스템은 액터로 뽑으면 되는데, 아두이노도 시스템 아닌가?센서는 시스템으로 뽑기 힘들다변수를 저장하는게 아두이노에 들어가 있는거냐?유스케이스가 플로우차트처럼 되어있다유스케이스는 행위가 동사가 되어야한다행동을 한다 - 뭐가? 어떤 액터가</a:t>
+            </a:r>
+          </a:p>
+          <a:p>
+            <a:r>
+              <a:rPr lang="ko-KR" altLang="en-US"/>
+              <a:t>클래스 다이어그램 부분보통 하나의 유스케이스가 컴퍼넌트가 된다전력제어를 하는 함수가 모터에 없어보인다</a:t>
+            </a:r>
+          </a:p>
+          <a:p>
+            <a:r>
+              <a:rPr lang="ko-KR" altLang="en-US"/>
+              <a:t>시퀀스 다이어그램 부분센서가 아니라 객체를 써야한다스위치가 객체는 아니다 -&gt; 객체가 들어가야한다서로 앞뒤가 안맞다</a:t>
+            </a:r>
+          </a:p>
+          <a:p>
+            <a:r>
+              <a:rPr lang="ko-KR" altLang="en-US"/>
+              <a:t>시퀀스랑 클래스 다이어그램을 그리지말고 요구사항 정의서를 다시 작성해라-&gt; 요구사항 정의서를 작성하고 유스케이스 다이어그램을 다시 그려라</a:t>
+            </a:r>
+          </a:p>
+        </p:txBody>
+      </p:sp>
+    </p:spTree>
+    <p:extLst>
+      <p:ext uri="{BB962C8B-B14F-4D97-AF65-F5344CB8AC3E}">
+        <p14:creationId xmlns:p14="http://schemas.microsoft.com/office/powerpoint/2010/main" val="645936508"/>
       </p:ext>
     </p:extLst>
   </p:cSld>
